--- a/teaching/ITIS6200/2023fa/lectures/lec17.DoS and Firewall.pptx
+++ b/teaching/ITIS6200/2023fa/lectures/lec17.DoS and Firewall.pptx
@@ -32370,15 +32370,33 @@
                                   </p:childTnLst>
                                 </p:cTn>
                               </p:par>
+                            </p:childTnLst>
+                          </p:cTn>
+                        </p:par>
+                      </p:childTnLst>
+                    </p:cTn>
+                  </p:par>
+                  <p:par>
+                    <p:cTn id="29" fill="hold">
+                      <p:stCondLst>
+                        <p:cond delay="indefinite"/>
+                      </p:stCondLst>
+                      <p:childTnLst>
+                        <p:par>
+                          <p:cTn id="30" fill="hold">
+                            <p:stCondLst>
+                              <p:cond delay="0"/>
+                            </p:stCondLst>
+                            <p:childTnLst>
                               <p:par>
-                                <p:cTn id="29" presetID="1" presetClass="entr" presetSubtype="0" fill="hold" nodeType="withEffect">
+                                <p:cTn id="31" presetID="1" presetClass="entr" presetSubtype="0" fill="hold" nodeType="clickEffect">
                                   <p:stCondLst>
                                     <p:cond delay="0"/>
                                   </p:stCondLst>
                                   <p:childTnLst>
                                     <p:set>
                                       <p:cBhvr>
-                                        <p:cTn id="30" dur="1" fill="hold">
+                                        <p:cTn id="32" dur="1" fill="hold">
                                           <p:stCondLst>
                                             <p:cond delay="0"/>
                                           </p:stCondLst>
@@ -32408,50 +32426,19 @@
                     </p:cTn>
                   </p:par>
                   <p:par>
-                    <p:cTn id="31" fill="hold">
+                    <p:cTn id="33" fill="hold">
                       <p:stCondLst>
                         <p:cond delay="indefinite"/>
                       </p:stCondLst>
                       <p:childTnLst>
                         <p:par>
-                          <p:cTn id="32" fill="hold">
+                          <p:cTn id="34" fill="hold">
                             <p:stCondLst>
                               <p:cond delay="0"/>
                             </p:stCondLst>
                             <p:childTnLst>
                               <p:par>
-                                <p:cTn id="33" presetID="1" presetClass="entr" presetSubtype="0" fill="hold" nodeType="clickEffect">
-                                  <p:stCondLst>
-                                    <p:cond delay="0"/>
-                                  </p:stCondLst>
-                                  <p:childTnLst>
-                                    <p:set>
-                                      <p:cBhvr>
-                                        <p:cTn id="34" dur="1" fill="hold">
-                                          <p:stCondLst>
-                                            <p:cond delay="0"/>
-                                          </p:stCondLst>
-                                        </p:cTn>
-                                        <p:tgtEl>
-                                          <p:spTgt spid="453">
-                                            <p:txEl>
-                                              <p:pRg st="8" end="8"/>
-                                            </p:txEl>
-                                          </p:spTgt>
-                                        </p:tgtEl>
-                                        <p:attrNameLst>
-                                          <p:attrName>style.visibility</p:attrName>
-                                        </p:attrNameLst>
-                                      </p:cBhvr>
-                                      <p:to>
-                                        <p:strVal val="visible"/>
-                                      </p:to>
-                                    </p:set>
-                                  </p:childTnLst>
-                                </p:cTn>
-                              </p:par>
-                              <p:par>
-                                <p:cTn id="35" presetID="1" presetClass="entr" presetSubtype="0" fill="hold" nodeType="withEffect">
+                                <p:cTn id="35" presetID="1" presetClass="entr" presetSubtype="0" fill="hold" nodeType="clickEffect">
                                   <p:stCondLst>
                                     <p:cond delay="0"/>
                                   </p:stCondLst>
@@ -32466,7 +32453,7 @@
                                         <p:tgtEl>
                                           <p:spTgt spid="453">
                                             <p:txEl>
-                                              <p:pRg st="9" end="9"/>
+                                              <p:pRg st="8" end="8"/>
                                             </p:txEl>
                                           </p:spTgt>
                                         </p:tgtEl>
@@ -32515,6 +32502,55 @@
                                         <p:tgtEl>
                                           <p:spTgt spid="453">
                                             <p:txEl>
+                                              <p:pRg st="9" end="9"/>
+                                            </p:txEl>
+                                          </p:spTgt>
+                                        </p:tgtEl>
+                                        <p:attrNameLst>
+                                          <p:attrName>style.visibility</p:attrName>
+                                        </p:attrNameLst>
+                                      </p:cBhvr>
+                                      <p:to>
+                                        <p:strVal val="visible"/>
+                                      </p:to>
+                                    </p:set>
+                                  </p:childTnLst>
+                                </p:cTn>
+                              </p:par>
+                            </p:childTnLst>
+                          </p:cTn>
+                        </p:par>
+                      </p:childTnLst>
+                    </p:cTn>
+                  </p:par>
+                  <p:par>
+                    <p:cTn id="41" fill="hold">
+                      <p:stCondLst>
+                        <p:cond delay="indefinite"/>
+                      </p:stCondLst>
+                      <p:childTnLst>
+                        <p:par>
+                          <p:cTn id="42" fill="hold">
+                            <p:stCondLst>
+                              <p:cond delay="0"/>
+                            </p:stCondLst>
+                            <p:childTnLst>
+                              <p:par>
+                                <p:cTn id="43" presetID="1" presetClass="entr" presetSubtype="0" fill="hold" nodeType="clickEffect">
+                                  <p:stCondLst>
+                                    <p:cond delay="0"/>
+                                  </p:stCondLst>
+                                  <p:childTnLst>
+                                    <p:set>
+                                      <p:cBhvr>
+                                        <p:cTn id="44" dur="1" fill="hold">
+                                          <p:stCondLst>
+                                            <p:cond delay="0"/>
+                                          </p:stCondLst>
+                                        </p:cTn>
+                                        <p:tgtEl>
+                                          <p:spTgt spid="453">
+                                            <p:txEl>
                                               <p:pRg st="10" end="10"/>
                                             </p:txEl>
                                           </p:spTgt>
@@ -32530,15 +32566,33 @@
                                   </p:childTnLst>
                                 </p:cTn>
                               </p:par>
+                            </p:childTnLst>
+                          </p:cTn>
+                        </p:par>
+                      </p:childTnLst>
+                    </p:cTn>
+                  </p:par>
+                  <p:par>
+                    <p:cTn id="45" fill="hold">
+                      <p:stCondLst>
+                        <p:cond delay="indefinite"/>
+                      </p:stCondLst>
+                      <p:childTnLst>
+                        <p:par>
+                          <p:cTn id="46" fill="hold">
+                            <p:stCondLst>
+                              <p:cond delay="0"/>
+                            </p:stCondLst>
+                            <p:childTnLst>
                               <p:par>
-                                <p:cTn id="41" presetID="1" presetClass="entr" presetSubtype="0" fill="hold" nodeType="withEffect">
+                                <p:cTn id="47" presetID="1" presetClass="entr" presetSubtype="0" fill="hold" nodeType="clickEffect">
                                   <p:stCondLst>
                                     <p:cond delay="0"/>
                                   </p:stCondLst>
                                   <p:childTnLst>
                                     <p:set>
                                       <p:cBhvr>
-                                        <p:cTn id="42" dur="1" fill="hold">
+                                        <p:cTn id="48" dur="1" fill="hold">
                                           <p:stCondLst>
                                             <p:cond delay="0"/>
                                           </p:stCondLst>
@@ -32568,26 +32622,26 @@
                     </p:cTn>
                   </p:par>
                   <p:par>
-                    <p:cTn id="43" fill="hold">
+                    <p:cTn id="49" fill="hold">
                       <p:stCondLst>
                         <p:cond delay="indefinite"/>
                       </p:stCondLst>
                       <p:childTnLst>
                         <p:par>
-                          <p:cTn id="44" fill="hold">
+                          <p:cTn id="50" fill="hold">
                             <p:stCondLst>
                               <p:cond delay="0"/>
                             </p:stCondLst>
                             <p:childTnLst>
                               <p:par>
-                                <p:cTn id="45" presetID="1" presetClass="entr" presetSubtype="0" fill="hold" nodeType="clickEffect">
+                                <p:cTn id="51" presetID="1" presetClass="entr" presetSubtype="0" fill="hold" nodeType="clickEffect">
                                   <p:stCondLst>
                                     <p:cond delay="0"/>
                                   </p:stCondLst>
                                   <p:childTnLst>
                                     <p:set>
                                       <p:cBhvr>
-                                        <p:cTn id="46" dur="1" fill="hold">
+                                        <p:cTn id="52" dur="1" fill="hold">
                                           <p:stCondLst>
                                             <p:cond delay="0"/>
                                           </p:stCondLst>
@@ -32610,15 +32664,33 @@
                                   </p:childTnLst>
                                 </p:cTn>
                               </p:par>
+                            </p:childTnLst>
+                          </p:cTn>
+                        </p:par>
+                      </p:childTnLst>
+                    </p:cTn>
+                  </p:par>
+                  <p:par>
+                    <p:cTn id="53" fill="hold">
+                      <p:stCondLst>
+                        <p:cond delay="indefinite"/>
+                      </p:stCondLst>
+                      <p:childTnLst>
+                        <p:par>
+                          <p:cTn id="54" fill="hold">
+                            <p:stCondLst>
+                              <p:cond delay="0"/>
+                            </p:stCondLst>
+                            <p:childTnLst>
                               <p:par>
-                                <p:cTn id="47" presetID="1" presetClass="entr" presetSubtype="0" fill="hold" nodeType="withEffect">
+                                <p:cTn id="55" presetID="1" presetClass="entr" presetSubtype="0" fill="hold" nodeType="clickEffect">
                                   <p:stCondLst>
                                     <p:cond delay="0"/>
                                   </p:stCondLst>
                                   <p:childTnLst>
                                     <p:set>
                                       <p:cBhvr>
-                                        <p:cTn id="48" dur="1" fill="hold">
+                                        <p:cTn id="56" dur="1" fill="hold">
                                           <p:stCondLst>
                                             <p:cond delay="0"/>
                                           </p:stCondLst>
@@ -42006,7 +42078,7 @@
                                         <p:tgtEl>
                                           <p:spTgt spid="605">
                                             <p:txEl>
-                                              <p:pRg st="0" end="0"/>
+                                              <p:pRg st="1" end="1"/>
                                             </p:txEl>
                                           </p:spTgt>
                                         </p:tgtEl>
@@ -42021,26 +42093,39 @@
                                   </p:childTnLst>
                                 </p:cTn>
                               </p:par>
-                            </p:childTnLst>
-                          </p:cTn>
-                        </p:par>
-                      </p:childTnLst>
-                    </p:cTn>
-                  </p:par>
-                  <p:par>
-                    <p:cTn id="7" fill="hold">
-                      <p:stCondLst>
-                        <p:cond delay="indefinite"/>
-                      </p:stCondLst>
-                      <p:childTnLst>
-                        <p:par>
-                          <p:cTn id="8" fill="hold">
-                            <p:stCondLst>
-                              <p:cond delay="0"/>
-                            </p:stCondLst>
-                            <p:childTnLst>
                               <p:par>
-                                <p:cTn id="9" presetID="1" presetClass="entr" presetSubtype="0" fill="hold" nodeType="clickEffect">
+                                <p:cTn id="7" presetID="1" presetClass="entr" presetSubtype="0" fill="hold" nodeType="withEffect">
+                                  <p:stCondLst>
+                                    <p:cond delay="0"/>
+                                  </p:stCondLst>
+                                  <p:childTnLst>
+                                    <p:set>
+                                      <p:cBhvr>
+                                        <p:cTn id="8" dur="1" fill="hold">
+                                          <p:stCondLst>
+                                            <p:cond delay="0"/>
+                                          </p:stCondLst>
+                                        </p:cTn>
+                                        <p:tgtEl>
+                                          <p:spTgt spid="605">
+                                            <p:txEl>
+                                              <p:pRg st="2" end="2"/>
+                                            </p:txEl>
+                                          </p:spTgt>
+                                        </p:tgtEl>
+                                        <p:attrNameLst>
+                                          <p:attrName>style.visibility</p:attrName>
+                                        </p:attrNameLst>
+                                      </p:cBhvr>
+                                      <p:to>
+                                        <p:strVal val="visible"/>
+                                      </p:to>
+                                    </p:set>
+                                  </p:childTnLst>
+                                </p:cTn>
+                              </p:par>
+                              <p:par>
+                                <p:cTn id="9" presetID="1" presetClass="entr" presetSubtype="0" fill="hold" nodeType="withEffect">
                                   <p:stCondLst>
                                     <p:cond delay="0"/>
                                   </p:stCondLst>
@@ -42055,7 +42140,7 @@
                                         <p:tgtEl>
                                           <p:spTgt spid="605">
                                             <p:txEl>
-                                              <p:pRg st="1" end="1"/>
+                                              <p:pRg st="3" end="3"/>
                                             </p:txEl>
                                           </p:spTgt>
                                         </p:tgtEl>
@@ -42104,153 +42189,6 @@
                                         <p:tgtEl>
                                           <p:spTgt spid="605">
                                             <p:txEl>
-                                              <p:pRg st="2" end="2"/>
-                                            </p:txEl>
-                                          </p:spTgt>
-                                        </p:tgtEl>
-                                        <p:attrNameLst>
-                                          <p:attrName>style.visibility</p:attrName>
-                                        </p:attrNameLst>
-                                      </p:cBhvr>
-                                      <p:to>
-                                        <p:strVal val="visible"/>
-                                      </p:to>
-                                    </p:set>
-                                  </p:childTnLst>
-                                </p:cTn>
-                              </p:par>
-                            </p:childTnLst>
-                          </p:cTn>
-                        </p:par>
-                      </p:childTnLst>
-                    </p:cTn>
-                  </p:par>
-                  <p:par>
-                    <p:cTn id="15" fill="hold">
-                      <p:stCondLst>
-                        <p:cond delay="indefinite"/>
-                      </p:stCondLst>
-                      <p:childTnLst>
-                        <p:par>
-                          <p:cTn id="16" fill="hold">
-                            <p:stCondLst>
-                              <p:cond delay="0"/>
-                            </p:stCondLst>
-                            <p:childTnLst>
-                              <p:par>
-                                <p:cTn id="17" presetID="1" presetClass="entr" presetSubtype="0" fill="hold" nodeType="clickEffect">
-                                  <p:stCondLst>
-                                    <p:cond delay="0"/>
-                                  </p:stCondLst>
-                                  <p:childTnLst>
-                                    <p:set>
-                                      <p:cBhvr>
-                                        <p:cTn id="18" dur="1" fill="hold">
-                                          <p:stCondLst>
-                                            <p:cond delay="0"/>
-                                          </p:stCondLst>
-                                        </p:cTn>
-                                        <p:tgtEl>
-                                          <p:spTgt spid="605">
-                                            <p:txEl>
-                                              <p:pRg st="3" end="3"/>
-                                            </p:txEl>
-                                          </p:spTgt>
-                                        </p:tgtEl>
-                                        <p:attrNameLst>
-                                          <p:attrName>style.visibility</p:attrName>
-                                        </p:attrNameLst>
-                                      </p:cBhvr>
-                                      <p:to>
-                                        <p:strVal val="visible"/>
-                                      </p:to>
-                                    </p:set>
-                                  </p:childTnLst>
-                                </p:cTn>
-                              </p:par>
-                            </p:childTnLst>
-                          </p:cTn>
-                        </p:par>
-                      </p:childTnLst>
-                    </p:cTn>
-                  </p:par>
-                  <p:par>
-                    <p:cTn id="19" fill="hold">
-                      <p:stCondLst>
-                        <p:cond delay="indefinite"/>
-                      </p:stCondLst>
-                      <p:childTnLst>
-                        <p:par>
-                          <p:cTn id="20" fill="hold">
-                            <p:stCondLst>
-                              <p:cond delay="0"/>
-                            </p:stCondLst>
-                            <p:childTnLst>
-                              <p:par>
-                                <p:cTn id="21" presetID="1" presetClass="entr" presetSubtype="0" fill="hold" nodeType="clickEffect">
-                                  <p:stCondLst>
-                                    <p:cond delay="0"/>
-                                  </p:stCondLst>
-                                  <p:childTnLst>
-                                    <p:set>
-                                      <p:cBhvr>
-                                        <p:cTn id="22" dur="1" fill="hold">
-                                          <p:stCondLst>
-                                            <p:cond delay="0"/>
-                                          </p:stCondLst>
-                                        </p:cTn>
-                                        <p:tgtEl>
-                                          <p:spTgt spid="605">
-                                            <p:txEl>
-                                              <p:pRg st="4" end="4"/>
-                                            </p:txEl>
-                                          </p:spTgt>
-                                        </p:tgtEl>
-                                        <p:attrNameLst>
-                                          <p:attrName>style.visibility</p:attrName>
-                                        </p:attrNameLst>
-                                      </p:cBhvr>
-                                      <p:to>
-                                        <p:strVal val="visible"/>
-                                      </p:to>
-                                    </p:set>
-                                  </p:childTnLst>
-                                </p:cTn>
-                              </p:par>
-                            </p:childTnLst>
-                          </p:cTn>
-                        </p:par>
-                      </p:childTnLst>
-                    </p:cTn>
-                  </p:par>
-                  <p:par>
-                    <p:cTn id="23" fill="hold">
-                      <p:stCondLst>
-                        <p:cond delay="indefinite"/>
-                      </p:stCondLst>
-                      <p:childTnLst>
-                        <p:par>
-                          <p:cTn id="24" fill="hold">
-                            <p:stCondLst>
-                              <p:cond delay="0"/>
-                            </p:stCondLst>
-                            <p:childTnLst>
-                              <p:par>
-                                <p:cTn id="25" presetID="1" presetClass="entr" presetSubtype="0" fill="hold" nodeType="clickEffect">
-                                  <p:stCondLst>
-                                    <p:cond delay="0"/>
-                                  </p:stCondLst>
-                                  <p:childTnLst>
-                                    <p:set>
-                                      <p:cBhvr>
-                                        <p:cTn id="26" dur="1" fill="hold">
-                                          <p:stCondLst>
-                                            <p:cond delay="0"/>
-                                          </p:stCondLst>
-                                        </p:cTn>
-                                        <p:tgtEl>
-                                          <p:spTgt spid="605">
-                                            <p:txEl>
                                               <p:pRg st="5" end="5"/>
                                             </p:txEl>
                                           </p:spTgt>
@@ -42266,33 +42204,15 @@
                                   </p:childTnLst>
                                 </p:cTn>
                               </p:par>
-                            </p:childTnLst>
-                          </p:cTn>
-                        </p:par>
-                      </p:childTnLst>
-                    </p:cTn>
-                  </p:par>
-                  <p:par>
-                    <p:cTn id="27" fill="hold">
-                      <p:stCondLst>
-                        <p:cond delay="indefinite"/>
-                      </p:stCondLst>
-                      <p:childTnLst>
-                        <p:par>
-                          <p:cTn id="28" fill="hold">
-                            <p:stCondLst>
-                              <p:cond delay="0"/>
-                            </p:stCondLst>
-                            <p:childTnLst>
                               <p:par>
-                                <p:cTn id="29" presetID="1" presetClass="entr" presetSubtype="0" fill="hold" nodeType="clickEffect">
+                                <p:cTn id="15" presetID="1" presetClass="entr" presetSubtype="0" fill="hold" nodeType="withEffect">
                                   <p:stCondLst>
                                     <p:cond delay="0"/>
                                   </p:stCondLst>
                                   <p:childTnLst>
                                     <p:set>
                                       <p:cBhvr>
-                                        <p:cTn id="30" dur="1" fill="hold">
+                                        <p:cTn id="16" dur="1" fill="hold">
                                           <p:stCondLst>
                                             <p:cond delay="0"/>
                                           </p:stCondLst>
@@ -42322,26 +42242,26 @@
                     </p:cTn>
                   </p:par>
                   <p:par>
-                    <p:cTn id="31" fill="hold">
+                    <p:cTn id="17" fill="hold">
                       <p:stCondLst>
                         <p:cond delay="indefinite"/>
                       </p:stCondLst>
                       <p:childTnLst>
                         <p:par>
-                          <p:cTn id="32" fill="hold">
+                          <p:cTn id="18" fill="hold">
                             <p:stCondLst>
                               <p:cond delay="0"/>
                             </p:stCondLst>
                             <p:childTnLst>
                               <p:par>
-                                <p:cTn id="33" presetID="1" presetClass="entr" presetSubtype="0" fill="hold" nodeType="clickEffect">
+                                <p:cTn id="19" presetID="1" presetClass="entr" presetSubtype="0" fill="hold" nodeType="clickEffect">
                                   <p:stCondLst>
                                     <p:cond delay="0"/>
                                   </p:stCondLst>
                                   <p:childTnLst>
                                     <p:set>
                                       <p:cBhvr>
-                                        <p:cTn id="34" dur="1" fill="hold">
+                                        <p:cTn id="20" dur="1" fill="hold">
                                           <p:stCondLst>
                                             <p:cond delay="0"/>
                                           </p:stCondLst>
@@ -42364,33 +42284,15 @@
                                   </p:childTnLst>
                                 </p:cTn>
                               </p:par>
-                            </p:childTnLst>
-                          </p:cTn>
-                        </p:par>
-                      </p:childTnLst>
-                    </p:cTn>
-                  </p:par>
-                  <p:par>
-                    <p:cTn id="35" fill="hold">
-                      <p:stCondLst>
-                        <p:cond delay="indefinite"/>
-                      </p:stCondLst>
-                      <p:childTnLst>
-                        <p:par>
-                          <p:cTn id="36" fill="hold">
-                            <p:stCondLst>
-                              <p:cond delay="0"/>
-                            </p:stCondLst>
-                            <p:childTnLst>
                               <p:par>
-                                <p:cTn id="37" presetID="1" presetClass="entr" presetSubtype="0" fill="hold" nodeType="clickEffect">
+                                <p:cTn id="21" presetID="1" presetClass="entr" presetSubtype="0" fill="hold" nodeType="withEffect">
                                   <p:stCondLst>
                                     <p:cond delay="0"/>
                                   </p:stCondLst>
                                   <p:childTnLst>
                                     <p:set>
                                       <p:cBhvr>
-                                        <p:cTn id="38" dur="1" fill="hold">
+                                        <p:cTn id="22" dur="1" fill="hold">
                                           <p:stCondLst>
                                             <p:cond delay="0"/>
                                           </p:stCondLst>
@@ -42413,33 +42315,15 @@
                                   </p:childTnLst>
                                 </p:cTn>
                               </p:par>
-                            </p:childTnLst>
-                          </p:cTn>
-                        </p:par>
-                      </p:childTnLst>
-                    </p:cTn>
-                  </p:par>
-                  <p:par>
-                    <p:cTn id="39" fill="hold">
-                      <p:stCondLst>
-                        <p:cond delay="indefinite"/>
-                      </p:stCondLst>
-                      <p:childTnLst>
-                        <p:par>
-                          <p:cTn id="40" fill="hold">
-                            <p:stCondLst>
-                              <p:cond delay="0"/>
-                            </p:stCondLst>
-                            <p:childTnLst>
                               <p:par>
-                                <p:cTn id="41" presetID="1" presetClass="entr" presetSubtype="0" fill="hold" nodeType="clickEffect">
+                                <p:cTn id="23" presetID="1" presetClass="entr" presetSubtype="0" fill="hold" nodeType="withEffect">
                                   <p:stCondLst>
                                     <p:cond delay="0"/>
                                   </p:stCondLst>
                                   <p:childTnLst>
                                     <p:set>
                                       <p:cBhvr>
-                                        <p:cTn id="42" dur="1" fill="hold">
+                                        <p:cTn id="24" dur="1" fill="hold">
                                           <p:stCondLst>
                                             <p:cond delay="0"/>
                                           </p:stCondLst>
@@ -42462,33 +42346,15 @@
                                   </p:childTnLst>
                                 </p:cTn>
                               </p:par>
-                            </p:childTnLst>
-                          </p:cTn>
-                        </p:par>
-                      </p:childTnLst>
-                    </p:cTn>
-                  </p:par>
-                  <p:par>
-                    <p:cTn id="43" fill="hold">
-                      <p:stCondLst>
-                        <p:cond delay="indefinite"/>
-                      </p:stCondLst>
-                      <p:childTnLst>
-                        <p:par>
-                          <p:cTn id="44" fill="hold">
-                            <p:stCondLst>
-                              <p:cond delay="0"/>
-                            </p:stCondLst>
-                            <p:childTnLst>
                               <p:par>
-                                <p:cTn id="45" presetID="1" presetClass="entr" presetSubtype="0" fill="hold" nodeType="clickEffect">
+                                <p:cTn id="25" presetID="1" presetClass="entr" presetSubtype="0" fill="hold" nodeType="withEffect">
                                   <p:stCondLst>
                                     <p:cond delay="0"/>
                                   </p:stCondLst>
                                   <p:childTnLst>
                                     <p:set>
                                       <p:cBhvr>
-                                        <p:cTn id="46" dur="1" fill="hold">
+                                        <p:cTn id="26" dur="1" fill="hold">
                                           <p:stCondLst>
                                             <p:cond delay="0"/>
                                           </p:stCondLst>
@@ -42511,33 +42377,15 @@
                                   </p:childTnLst>
                                 </p:cTn>
                               </p:par>
-                            </p:childTnLst>
-                          </p:cTn>
-                        </p:par>
-                      </p:childTnLst>
-                    </p:cTn>
-                  </p:par>
-                  <p:par>
-                    <p:cTn id="47" fill="hold">
-                      <p:stCondLst>
-                        <p:cond delay="indefinite"/>
-                      </p:stCondLst>
-                      <p:childTnLst>
-                        <p:par>
-                          <p:cTn id="48" fill="hold">
-                            <p:stCondLst>
-                              <p:cond delay="0"/>
-                            </p:stCondLst>
-                            <p:childTnLst>
                               <p:par>
-                                <p:cTn id="49" presetID="1" presetClass="entr" presetSubtype="0" fill="hold" nodeType="clickEffect">
+                                <p:cTn id="27" presetID="1" presetClass="entr" presetSubtype="0" fill="hold" nodeType="withEffect">
                                   <p:stCondLst>
                                     <p:cond delay="0"/>
                                   </p:stCondLst>
                                   <p:childTnLst>
                                     <p:set>
                                       <p:cBhvr>
-                                        <p:cTn id="50" dur="1" fill="hold">
+                                        <p:cTn id="28" dur="1" fill="hold">
                                           <p:stCondLst>
                                             <p:cond delay="0"/>
                                           </p:stCondLst>
